--- a/硕士开题2024_12_27/陈瑞源开题答辩.pptx
+++ b/硕士开题2024_12_27/陈瑞源开题答辩.pptx
@@ -313,7 +313,7 @@
             </a:pPr>
             <a:fld id="{D2DABA82-A766-40FB-82CD-A72B8AA156F0}" type="datetime1">
               <a:rPr lang="en-US" altLang="zh-CN"/>
-              <a:t>12/27/2023</a:t>
+              <a:t>1/3/2025</a:t>
             </a:fld>
             <a:endParaRPr lang="en-US" altLang="zh-CN"/>
           </a:p>
@@ -3811,7 +3811,7 @@
           <a:p>
             <a:fld id="{C764DE79-268F-4C1A-8933-263129D2AF90}" type="datetimeFigureOut">
               <a:rPr lang="en-US" dirty="0"/>
-              <a:t>12/27/2023</a:t>
+              <a:t>1/3/2025</a:t>
             </a:fld>
             <a:endParaRPr lang="en-US" dirty="0"/>
           </a:p>
@@ -3982,7 +3982,7 @@
           <a:p>
             <a:fld id="{C764DE79-268F-4C1A-8933-263129D2AF90}" type="datetimeFigureOut">
               <a:rPr lang="en-US" dirty="0"/>
-              <a:t>12/27/2023</a:t>
+              <a:t>1/3/2025</a:t>
             </a:fld>
             <a:endParaRPr lang="en-US" dirty="0"/>
           </a:p>
@@ -4229,7 +4229,7 @@
           <a:p>
             <a:fld id="{C764DE79-268F-4C1A-8933-263129D2AF90}" type="datetimeFigureOut">
               <a:rPr lang="en-US" dirty="0"/>
-              <a:t>12/27/2023</a:t>
+              <a:t>1/3/2025</a:t>
             </a:fld>
             <a:endParaRPr lang="en-US" dirty="0"/>
           </a:p>
@@ -4462,7 +4462,7 @@
           <a:p>
             <a:fld id="{C764DE79-268F-4C1A-8933-263129D2AF90}" type="datetimeFigureOut">
               <a:rPr lang="en-US" dirty="0"/>
-              <a:t>12/27/2023</a:t>
+              <a:t>1/3/2025</a:t>
             </a:fld>
             <a:endParaRPr lang="en-US" dirty="0"/>
           </a:p>
@@ -4830,7 +4830,7 @@
           <a:p>
             <a:fld id="{C764DE79-268F-4C1A-8933-263129D2AF90}" type="datetimeFigureOut">
               <a:rPr lang="en-US" dirty="0"/>
-              <a:t>12/27/2023</a:t>
+              <a:t>1/3/2025</a:t>
             </a:fld>
             <a:endParaRPr lang="en-US" dirty="0"/>
           </a:p>
@@ -4949,7 +4949,7 @@
           <a:p>
             <a:fld id="{C764DE79-268F-4C1A-8933-263129D2AF90}" type="datetimeFigureOut">
               <a:rPr lang="en-US" dirty="0"/>
-              <a:t>12/27/2023</a:t>
+              <a:t>1/3/2025</a:t>
             </a:fld>
             <a:endParaRPr lang="en-US" dirty="0"/>
           </a:p>
@@ -5045,7 +5045,7 @@
           <a:p>
             <a:fld id="{C764DE79-268F-4C1A-8933-263129D2AF90}" type="datetimeFigureOut">
               <a:rPr lang="en-US" dirty="0"/>
-              <a:t>12/27/2023</a:t>
+              <a:t>1/3/2025</a:t>
             </a:fld>
             <a:endParaRPr lang="en-US" dirty="0"/>
           </a:p>
@@ -5323,7 +5323,7 @@
           <a:p>
             <a:fld id="{C764DE79-268F-4C1A-8933-263129D2AF90}" type="datetimeFigureOut">
               <a:rPr lang="en-US" dirty="0"/>
-              <a:t>12/27/2023</a:t>
+              <a:t>1/3/2025</a:t>
             </a:fld>
             <a:endParaRPr lang="en-US" dirty="0"/>
           </a:p>
@@ -5761,7 +5761,7 @@
           <a:p>
             <a:fld id="{C764DE79-268F-4C1A-8933-263129D2AF90}" type="datetimeFigureOut">
               <a:rPr lang="en-US" dirty="0"/>
-              <a:t>12/27/2023</a:t>
+              <a:t>1/3/2025</a:t>
             </a:fld>
             <a:endParaRPr lang="en-US" dirty="0"/>
           </a:p>
@@ -5932,7 +5932,7 @@
           <a:p>
             <a:fld id="{C764DE79-268F-4C1A-8933-263129D2AF90}" type="datetimeFigureOut">
               <a:rPr lang="en-US" dirty="0"/>
-              <a:t>12/27/2023</a:t>
+              <a:t>1/3/2025</a:t>
             </a:fld>
             <a:endParaRPr lang="en-US" dirty="0"/>
           </a:p>
@@ -6113,7 +6113,7 @@
           <a:p>
             <a:fld id="{C764DE79-268F-4C1A-8933-263129D2AF90}" type="datetimeFigureOut">
               <a:rPr lang="en-US" dirty="0"/>
-              <a:t>12/27/2023</a:t>
+              <a:t>1/3/2025</a:t>
             </a:fld>
             <a:endParaRPr lang="en-US" dirty="0"/>
           </a:p>
@@ -11808,7 +11808,7 @@
           <a:p>
             <a:fld id="{C764DE79-268F-4C1A-8933-263129D2AF90}" type="datetimeFigureOut">
               <a:rPr lang="en-US" dirty="0"/>
-              <a:t>12/27/2023</a:t>
+              <a:t>1/3/2025</a:t>
             </a:fld>
             <a:endParaRPr lang="en-US" dirty="0"/>
           </a:p>
